--- a/slides/0015.pptx
+++ b/slides/0015.pptx
@@ -262,7 +262,7 @@
           <a:p>
             <a:fld id="{5AEC58D5-D0FD-5D43-AC21-2C9A8E377766}" type="datetimeFigureOut">
               <a:rPr lang="en-US" smtClean="0"/>
-              <a:t>4/8/18</a:t>
+              <a:t>4/9/18</a:t>
             </a:fld>
             <a:endParaRPr lang="en-US"/>
           </a:p>
@@ -460,7 +460,7 @@
           <a:p>
             <a:fld id="{5AEC58D5-D0FD-5D43-AC21-2C9A8E377766}" type="datetimeFigureOut">
               <a:rPr lang="en-US" smtClean="0"/>
-              <a:t>4/8/18</a:t>
+              <a:t>4/9/18</a:t>
             </a:fld>
             <a:endParaRPr lang="en-US"/>
           </a:p>
@@ -668,7 +668,7 @@
           <a:p>
             <a:fld id="{5AEC58D5-D0FD-5D43-AC21-2C9A8E377766}" type="datetimeFigureOut">
               <a:rPr lang="en-US" smtClean="0"/>
-              <a:t>4/8/18</a:t>
+              <a:t>4/9/18</a:t>
             </a:fld>
             <a:endParaRPr lang="en-US"/>
           </a:p>
@@ -866,7 +866,7 @@
           <a:p>
             <a:fld id="{5AEC58D5-D0FD-5D43-AC21-2C9A8E377766}" type="datetimeFigureOut">
               <a:rPr lang="en-US" smtClean="0"/>
-              <a:t>4/8/18</a:t>
+              <a:t>4/9/18</a:t>
             </a:fld>
             <a:endParaRPr lang="en-US"/>
           </a:p>
@@ -1141,7 +1141,7 @@
           <a:p>
             <a:fld id="{5AEC58D5-D0FD-5D43-AC21-2C9A8E377766}" type="datetimeFigureOut">
               <a:rPr lang="en-US" smtClean="0"/>
-              <a:t>4/8/18</a:t>
+              <a:t>4/9/18</a:t>
             </a:fld>
             <a:endParaRPr lang="en-US"/>
           </a:p>
@@ -1406,7 +1406,7 @@
           <a:p>
             <a:fld id="{5AEC58D5-D0FD-5D43-AC21-2C9A8E377766}" type="datetimeFigureOut">
               <a:rPr lang="en-US" smtClean="0"/>
-              <a:t>4/8/18</a:t>
+              <a:t>4/9/18</a:t>
             </a:fld>
             <a:endParaRPr lang="en-US"/>
           </a:p>
@@ -1818,7 +1818,7 @@
           <a:p>
             <a:fld id="{5AEC58D5-D0FD-5D43-AC21-2C9A8E377766}" type="datetimeFigureOut">
               <a:rPr lang="en-US" smtClean="0"/>
-              <a:t>4/8/18</a:t>
+              <a:t>4/9/18</a:t>
             </a:fld>
             <a:endParaRPr lang="en-US"/>
           </a:p>
@@ -1959,7 +1959,7 @@
           <a:p>
             <a:fld id="{5AEC58D5-D0FD-5D43-AC21-2C9A8E377766}" type="datetimeFigureOut">
               <a:rPr lang="en-US" smtClean="0"/>
-              <a:t>4/8/18</a:t>
+              <a:t>4/9/18</a:t>
             </a:fld>
             <a:endParaRPr lang="en-US"/>
           </a:p>
@@ -2072,7 +2072,7 @@
           <a:p>
             <a:fld id="{5AEC58D5-D0FD-5D43-AC21-2C9A8E377766}" type="datetimeFigureOut">
               <a:rPr lang="en-US" smtClean="0"/>
-              <a:t>4/8/18</a:t>
+              <a:t>4/9/18</a:t>
             </a:fld>
             <a:endParaRPr lang="en-US"/>
           </a:p>
@@ -2383,7 +2383,7 @@
           <a:p>
             <a:fld id="{5AEC58D5-D0FD-5D43-AC21-2C9A8E377766}" type="datetimeFigureOut">
               <a:rPr lang="en-US" smtClean="0"/>
-              <a:t>4/8/18</a:t>
+              <a:t>4/9/18</a:t>
             </a:fld>
             <a:endParaRPr lang="en-US"/>
           </a:p>
@@ -2671,7 +2671,7 @@
           <a:p>
             <a:fld id="{5AEC58D5-D0FD-5D43-AC21-2C9A8E377766}" type="datetimeFigureOut">
               <a:rPr lang="en-US" smtClean="0"/>
-              <a:t>4/8/18</a:t>
+              <a:t>4/9/18</a:t>
             </a:fld>
             <a:endParaRPr lang="en-US"/>
           </a:p>
@@ -2912,7 +2912,7 @@
           <a:p>
             <a:fld id="{5AEC58D5-D0FD-5D43-AC21-2C9A8E377766}" type="datetimeFigureOut">
               <a:rPr lang="en-US" smtClean="0"/>
-              <a:t>4/8/18</a:t>
+              <a:t>4/9/18</a:t>
             </a:fld>
             <a:endParaRPr lang="en-US"/>
           </a:p>
@@ -3331,10 +3331,10 @@
       </p:grpSpPr>
       <p:pic>
         <p:nvPicPr>
-          <p:cNvPr id="3" name="Picture 2">
-            <a:extLst>
-              <a:ext uri="{FF2B5EF4-FFF2-40B4-BE49-F238E27FC236}">
-                <a16:creationId xmlns:a16="http://schemas.microsoft.com/office/drawing/2014/main" id="{F28DF781-9432-194F-A6B7-4BE6B3CAD446}"/>
+          <p:cNvPr id="4" name="Picture 3">
+            <a:extLst>
+              <a:ext uri="{FF2B5EF4-FFF2-40B4-BE49-F238E27FC236}">
+                <a16:creationId xmlns:a16="http://schemas.microsoft.com/office/drawing/2014/main" id="{91A8FEE6-02DD-F948-A618-1C70DA050C97}"/>
               </a:ext>
             </a:extLst>
           </p:cNvPr>
@@ -3356,9 +3356,9 @@
           </a:stretch>
         </p:blipFill>
         <p:spPr>
-          <a:xfrm>
-            <a:off x="6776185" y="2721544"/>
-            <a:ext cx="1530416" cy="1147812"/>
+          <a:xfrm flipH="1">
+            <a:off x="2315866" y="1200753"/>
+            <a:ext cx="2483318" cy="1862489"/>
           </a:xfrm>
           <a:prstGeom prst="rect">
             <a:avLst/>
@@ -3367,10 +3367,10 @@
       </p:pic>
       <p:pic>
         <p:nvPicPr>
-          <p:cNvPr id="4" name="Picture 3">
-            <a:extLst>
-              <a:ext uri="{FF2B5EF4-FFF2-40B4-BE49-F238E27FC236}">
-                <a16:creationId xmlns:a16="http://schemas.microsoft.com/office/drawing/2014/main" id="{91A8FEE6-02DD-F948-A618-1C70DA050C97}"/>
+          <p:cNvPr id="5" name="Picture 4">
+            <a:extLst>
+              <a:ext uri="{FF2B5EF4-FFF2-40B4-BE49-F238E27FC236}">
+                <a16:creationId xmlns:a16="http://schemas.microsoft.com/office/drawing/2014/main" id="{9D1D3270-AEFE-3649-8842-B0E3B597D7B9}"/>
               </a:ext>
             </a:extLst>
           </p:cNvPr>
@@ -3380,7 +3380,7 @@
           <p:nvPr/>
         </p:nvPicPr>
         <p:blipFill>
-          <a:blip r:embed="rId2">
+          <a:blip r:embed="rId3">
             <a:extLst>
               <a:ext uri="{28A0092B-C50C-407E-A947-70E740481C1C}">
                 <a14:useLocalDpi xmlns:a14="http://schemas.microsoft.com/office/drawing/2010/main" val="0"/>
@@ -3392,9 +3392,9 @@
           </a:stretch>
         </p:blipFill>
         <p:spPr>
-          <a:xfrm flipH="1">
-            <a:off x="2666198" y="2721544"/>
-            <a:ext cx="2483318" cy="1862489"/>
+          <a:xfrm>
+            <a:off x="1955910" y="2689840"/>
+            <a:ext cx="3203229" cy="3203229"/>
           </a:xfrm>
           <a:prstGeom prst="rect">
             <a:avLst/>
@@ -3453,7 +3453,7 @@
           <a:prstGeom prst="line">
             <a:avLst/>
           </a:prstGeom>
-          <a:ln w="38100">
+          <a:ln w="19050">
             <a:solidFill>
               <a:schemeClr val="tx1"/>
             </a:solidFill>
@@ -3496,7 +3496,7 @@
           <a:prstGeom prst="line">
             <a:avLst/>
           </a:prstGeom>
-          <a:ln w="38100">
+          <a:ln w="19050">
             <a:solidFill>
               <a:schemeClr val="tx1"/>
             </a:solidFill>
@@ -3647,7 +3647,7 @@
           <a:prstGeom prst="line">
             <a:avLst/>
           </a:prstGeom>
-          <a:ln w="38100">
+          <a:ln w="19050">
             <a:solidFill>
               <a:schemeClr val="tx1"/>
             </a:solidFill>
@@ -3690,7 +3690,7 @@
           <a:prstGeom prst="line">
             <a:avLst/>
           </a:prstGeom>
-          <a:ln w="38100">
+          <a:ln w="19050">
             <a:solidFill>
               <a:schemeClr val="tx1"/>
             </a:solidFill>
@@ -3841,7 +3841,7 @@
           <a:prstGeom prst="line">
             <a:avLst/>
           </a:prstGeom>
-          <a:ln w="38100">
+          <a:ln w="76200">
             <a:solidFill>
               <a:schemeClr val="tx1"/>
             </a:solidFill>
@@ -3884,7 +3884,7 @@
           <a:prstGeom prst="line">
             <a:avLst/>
           </a:prstGeom>
-          <a:ln w="38100">
+          <a:ln w="76200">
             <a:solidFill>
               <a:schemeClr val="tx1"/>
             </a:solidFill>
@@ -3955,8 +3955,8 @@
         </p:nvSpPr>
         <p:spPr>
           <a:xfrm>
-            <a:off x="4617656" y="1181520"/>
-            <a:ext cx="2031325" cy="369332"/>
+            <a:off x="4457326" y="1159781"/>
+            <a:ext cx="2236510" cy="400110"/>
           </a:xfrm>
           <a:prstGeom prst="rect">
             <a:avLst/>
@@ -3970,10 +3970,10 @@
           <a:lstStyle/>
           <a:p>
             <a:r>
-              <a:rPr lang="ja-JP" altLang="en-US"/>
+              <a:rPr lang="ja-JP" altLang="en-US" sz="2000" b="1"/>
               <a:t>アクセススイッチ</a:t>
             </a:r>
-            <a:endParaRPr lang="en-US" dirty="0"/>
+            <a:endParaRPr lang="en-US" sz="2000" b="1" dirty="0"/>
           </a:p>
         </p:txBody>
       </p:sp>
@@ -3991,8 +3991,8 @@
         </p:nvSpPr>
         <p:spPr>
           <a:xfrm>
-            <a:off x="8192139" y="1176391"/>
-            <a:ext cx="1569660" cy="369332"/>
+            <a:off x="8173761" y="1108180"/>
+            <a:ext cx="1723549" cy="400110"/>
           </a:xfrm>
           <a:prstGeom prst="rect">
             <a:avLst/>
@@ -4006,10 +4006,10 @@
           <a:lstStyle/>
           <a:p>
             <a:r>
-              <a:rPr lang="ja-JP" altLang="en-US"/>
+              <a:rPr lang="ja-JP" altLang="en-US" sz="2000" b="1"/>
               <a:t>コアスイッチ</a:t>
             </a:r>
-            <a:endParaRPr lang="en-US" dirty="0"/>
+            <a:endParaRPr lang="en-US" sz="2000" b="1" dirty="0"/>
           </a:p>
         </p:txBody>
       </p:sp>
@@ -4027,8 +4027,8 @@
         </p:nvSpPr>
         <p:spPr>
           <a:xfrm>
-            <a:off x="3426015" y="5342593"/>
-            <a:ext cx="1483098" cy="369332"/>
+            <a:off x="3637229" y="5942666"/>
+            <a:ext cx="1640193" cy="400110"/>
           </a:xfrm>
           <a:prstGeom prst="rect">
             <a:avLst/>
@@ -4042,15 +4042,15 @@
           <a:lstStyle/>
           <a:p>
             <a:r>
-              <a:rPr lang="en-US" dirty="0"/>
+              <a:rPr lang="en-US" sz="2000" b="1" dirty="0"/>
               <a:t>RJ45(1G</a:t>
             </a:r>
             <a:r>
-              <a:rPr lang="ja-JP" altLang="en-US"/>
+              <a:rPr lang="ja-JP" altLang="en-US" sz="2000" b="1"/>
               <a:t>以上</a:t>
             </a:r>
             <a:r>
-              <a:rPr lang="en-US" dirty="0"/>
+              <a:rPr lang="en-US" sz="2000" b="1" dirty="0"/>
               <a:t>)</a:t>
             </a:r>
           </a:p>
@@ -4070,8 +4070,8 @@
         </p:nvSpPr>
         <p:spPr>
           <a:xfrm>
-            <a:off x="7003453" y="4692619"/>
-            <a:ext cx="2295821" cy="369332"/>
+            <a:off x="6341427" y="5908466"/>
+            <a:ext cx="2550698" cy="400110"/>
           </a:xfrm>
           <a:prstGeom prst="rect">
             <a:avLst/>
@@ -4085,20 +4085,102 @@
           <a:lstStyle/>
           <a:p>
             <a:r>
-              <a:rPr lang="en-US" dirty="0"/>
+              <a:rPr lang="en-US" sz="2000" b="1" dirty="0"/>
               <a:t>SFP + Cable (10G</a:t>
             </a:r>
             <a:r>
-              <a:rPr lang="ja-JP" altLang="en-US"/>
+              <a:rPr lang="ja-JP" altLang="en-US" sz="2000" b="1"/>
               <a:t>以上</a:t>
             </a:r>
             <a:r>
-              <a:rPr lang="en-US" dirty="0"/>
+              <a:rPr lang="en-US" sz="2000" b="1" dirty="0"/>
               <a:t>)</a:t>
             </a:r>
           </a:p>
         </p:txBody>
       </p:sp>
+      <p:cxnSp>
+        <p:nvCxnSpPr>
+          <p:cNvPr id="3" name="Straight Arrow Connector 2">
+            <a:extLst>
+              <a:ext uri="{FF2B5EF4-FFF2-40B4-BE49-F238E27FC236}">
+                <a16:creationId xmlns:a16="http://schemas.microsoft.com/office/drawing/2014/main" id="{DDA62CB4-0C86-F34E-BE70-01B67312717C}"/>
+              </a:ext>
+            </a:extLst>
+          </p:cNvPr>
+          <p:cNvCxnSpPr>
+            <a:cxnSpLocks/>
+          </p:cNvCxnSpPr>
+          <p:nvPr/>
+        </p:nvCxnSpPr>
+        <p:spPr>
+          <a:xfrm flipV="1">
+            <a:off x="4254366" y="5195520"/>
+            <a:ext cx="0" cy="699016"/>
+          </a:xfrm>
+          <a:prstGeom prst="straightConnector1">
+            <a:avLst/>
+          </a:prstGeom>
+          <a:ln w="38100">
+            <a:tailEnd type="triangle"/>
+          </a:ln>
+        </p:spPr>
+        <p:style>
+          <a:lnRef idx="1">
+            <a:schemeClr val="accent1"/>
+          </a:lnRef>
+          <a:fillRef idx="0">
+            <a:schemeClr val="accent1"/>
+          </a:fillRef>
+          <a:effectRef idx="0">
+            <a:schemeClr val="accent1"/>
+          </a:effectRef>
+          <a:fontRef idx="minor">
+            <a:schemeClr val="tx1"/>
+          </a:fontRef>
+        </p:style>
+      </p:cxnSp>
+      <p:cxnSp>
+        <p:nvCxnSpPr>
+          <p:cNvPr id="22" name="Straight Arrow Connector 21">
+            <a:extLst>
+              <a:ext uri="{FF2B5EF4-FFF2-40B4-BE49-F238E27FC236}">
+                <a16:creationId xmlns:a16="http://schemas.microsoft.com/office/drawing/2014/main" id="{4323EA48-BB30-6F47-AF01-573DF4711545}"/>
+              </a:ext>
+            </a:extLst>
+          </p:cNvPr>
+          <p:cNvCxnSpPr>
+            <a:cxnSpLocks/>
+          </p:cNvCxnSpPr>
+          <p:nvPr/>
+        </p:nvCxnSpPr>
+        <p:spPr>
+          <a:xfrm flipV="1">
+            <a:off x="7573463" y="4556801"/>
+            <a:ext cx="0" cy="1266484"/>
+          </a:xfrm>
+          <a:prstGeom prst="straightConnector1">
+            <a:avLst/>
+          </a:prstGeom>
+          <a:ln w="38100">
+            <a:tailEnd type="triangle"/>
+          </a:ln>
+        </p:spPr>
+        <p:style>
+          <a:lnRef idx="1">
+            <a:schemeClr val="accent1"/>
+          </a:lnRef>
+          <a:fillRef idx="0">
+            <a:schemeClr val="accent1"/>
+          </a:fillRef>
+          <a:effectRef idx="0">
+            <a:schemeClr val="accent1"/>
+          </a:effectRef>
+          <a:fontRef idx="minor">
+            <a:schemeClr val="tx1"/>
+          </a:fontRef>
+        </p:style>
+      </p:cxnSp>
     </p:spTree>
     <p:extLst>
       <p:ext uri="{BB962C8B-B14F-4D97-AF65-F5344CB8AC3E}">
@@ -4266,27 +4348,27 @@
           <a:lstStyle/>
           <a:p>
             <a:r>
-              <a:rPr lang="ja-JP" altLang="en-US"/>
+              <a:rPr lang="ja-JP" altLang="en-US" b="1"/>
               <a:t>光ファイバー</a:t>
             </a:r>
             <a:r>
-              <a:rPr lang="en-US" altLang="ja-JP" dirty="0"/>
+              <a:rPr lang="en-US" altLang="ja-JP" b="1" dirty="0"/>
               <a:t>(</a:t>
             </a:r>
             <a:r>
-              <a:rPr lang="ja-JP" altLang="en-US"/>
+              <a:rPr lang="ja-JP" altLang="en-US" b="1"/>
               <a:t>シングル</a:t>
             </a:r>
             <a:r>
-              <a:rPr lang="en-US" altLang="ja-JP" dirty="0"/>
+              <a:rPr lang="en-US" altLang="ja-JP" b="1" dirty="0"/>
               <a:t>/</a:t>
             </a:r>
             <a:r>
-              <a:rPr lang="ja-JP" altLang="en-US"/>
+              <a:rPr lang="ja-JP" altLang="en-US" b="1"/>
               <a:t>マルチ</a:t>
             </a:r>
             <a:r>
-              <a:rPr lang="en-US" altLang="ja-JP" dirty="0"/>
+              <a:rPr lang="en-US" altLang="ja-JP" b="1" dirty="0"/>
               <a:t>)</a:t>
             </a:r>
           </a:p>
@@ -4296,10 +4378,10 @@
               <a:buChar char="•"/>
             </a:pPr>
             <a:r>
-              <a:rPr lang="ja-JP" altLang="en-US"/>
+              <a:rPr lang="ja-JP" altLang="en-US" b="1"/>
               <a:t>遠距離</a:t>
             </a:r>
-            <a:endParaRPr lang="en-US" altLang="ja-JP" dirty="0"/>
+            <a:endParaRPr lang="en-US" altLang="ja-JP" b="1" dirty="0"/>
           </a:p>
           <a:p>
             <a:pPr marL="285750" indent="-285750">
@@ -4307,10 +4389,10 @@
               <a:buChar char="•"/>
             </a:pPr>
             <a:r>
-              <a:rPr lang="ja-JP" altLang="en-US"/>
+              <a:rPr lang="ja-JP" altLang="en-US" b="1"/>
               <a:t>高価</a:t>
             </a:r>
-            <a:endParaRPr lang="en-US" altLang="ja-JP" dirty="0"/>
+            <a:endParaRPr lang="en-US" altLang="ja-JP" b="1" dirty="0"/>
           </a:p>
           <a:p>
             <a:pPr marL="285750" indent="-285750">
@@ -4318,10 +4400,10 @@
               <a:buChar char="•"/>
             </a:pPr>
             <a:r>
-              <a:rPr lang="ja-JP" altLang="en-US"/>
+              <a:rPr lang="ja-JP" altLang="en-US" b="1"/>
               <a:t>ノイズに強い</a:t>
             </a:r>
-            <a:endParaRPr lang="en-US" dirty="0"/>
+            <a:endParaRPr lang="en-US" b="1" dirty="0"/>
           </a:p>
         </p:txBody>
       </p:sp>
@@ -4340,7 +4422,7 @@
         <p:spPr>
           <a:xfrm>
             <a:off x="7940842" y="3069399"/>
-            <a:ext cx="1858201" cy="1200329"/>
+            <a:ext cx="1165704" cy="923330"/>
           </a:xfrm>
           <a:prstGeom prst="rect">
             <a:avLst/>
@@ -4354,7 +4436,7 @@
           <a:lstStyle/>
           <a:p>
             <a:r>
-              <a:rPr lang="en-US" altLang="ja-JP" dirty="0"/>
+              <a:rPr lang="en-US" altLang="ja-JP" b="1" dirty="0"/>
               <a:t>RJ45</a:t>
             </a:r>
           </a:p>
@@ -4364,10 +4446,10 @@
               <a:buChar char="•"/>
             </a:pPr>
             <a:r>
-              <a:rPr lang="ja-JP" altLang="en-US"/>
+              <a:rPr lang="ja-JP" altLang="en-US" b="1"/>
               <a:t>近距離</a:t>
             </a:r>
-            <a:endParaRPr lang="en-US" altLang="ja-JP" dirty="0"/>
+            <a:endParaRPr lang="en-US" altLang="ja-JP" b="1" dirty="0"/>
           </a:p>
           <a:p>
             <a:pPr marL="285750" indent="-285750">
@@ -4375,21 +4457,10 @@
               <a:buChar char="•"/>
             </a:pPr>
             <a:r>
-              <a:rPr lang="ja-JP" altLang="en-US"/>
+              <a:rPr lang="ja-JP" altLang="en-US" b="1"/>
               <a:t>安価</a:t>
             </a:r>
-            <a:endParaRPr lang="en-US" altLang="ja-JP" dirty="0"/>
-          </a:p>
-          <a:p>
-            <a:pPr marL="285750" indent="-285750">
-              <a:buFont typeface="Arial" panose="020B0604020202020204" pitchFamily="34" charset="0"/>
-              <a:buChar char="•"/>
-            </a:pPr>
-            <a:r>
-              <a:rPr lang="ja-JP" altLang="en-US"/>
-              <a:t>ノイズに弱い</a:t>
-            </a:r>
-            <a:endParaRPr lang="en-US" dirty="0"/>
+            <a:endParaRPr lang="en-US" altLang="ja-JP" b="1" dirty="0"/>
           </a:p>
         </p:txBody>
       </p:sp>
@@ -4422,14 +4493,14 @@
           <a:lstStyle/>
           <a:p>
             <a:r>
-              <a:rPr lang="en-US" sz="2400" dirty="0"/>
+              <a:rPr lang="en-US" sz="2400" b="1" dirty="0"/>
               <a:t>SFP</a:t>
             </a:r>
             <a:r>
-              <a:rPr lang="ja-JP" altLang="en-US" sz="2400"/>
+              <a:rPr lang="ja-JP" altLang="en-US" sz="2400" b="1"/>
               <a:t>の大別</a:t>
             </a:r>
-            <a:endParaRPr lang="en-US" sz="2400" dirty="0"/>
+            <a:endParaRPr lang="en-US" sz="2400" b="1" dirty="0"/>
           </a:p>
         </p:txBody>
       </p:sp>
@@ -4484,7 +4555,7 @@
         <p:spPr>
           <a:xfrm>
             <a:off x="7940842" y="4838443"/>
-            <a:ext cx="1858201" cy="1477328"/>
+            <a:ext cx="1456553" cy="1200329"/>
           </a:xfrm>
           <a:prstGeom prst="rect">
             <a:avLst/>
@@ -4498,7 +4569,7 @@
           <a:lstStyle/>
           <a:p>
             <a:r>
-              <a:rPr lang="en-US" altLang="ja-JP" dirty="0"/>
+              <a:rPr lang="en-US" altLang="ja-JP" b="1" dirty="0"/>
               <a:t>Twinax (DAC)</a:t>
             </a:r>
           </a:p>
@@ -4508,10 +4579,10 @@
               <a:buChar char="•"/>
             </a:pPr>
             <a:r>
-              <a:rPr lang="ja-JP" altLang="en-US"/>
+              <a:rPr lang="ja-JP" altLang="en-US" b="1"/>
               <a:t>近距離</a:t>
             </a:r>
-            <a:endParaRPr lang="en-US" altLang="ja-JP" dirty="0"/>
+            <a:endParaRPr lang="en-US" altLang="ja-JP" b="1" dirty="0"/>
           </a:p>
           <a:p>
             <a:pPr marL="285750" indent="-285750">
@@ -4519,10 +4590,10 @@
               <a:buChar char="•"/>
             </a:pPr>
             <a:r>
-              <a:rPr lang="ja-JP" altLang="en-US"/>
+              <a:rPr lang="ja-JP" altLang="en-US" b="1"/>
               <a:t>安価</a:t>
             </a:r>
-            <a:endParaRPr lang="en-US" altLang="ja-JP" dirty="0"/>
+            <a:endParaRPr lang="en-US" altLang="ja-JP" b="1" dirty="0"/>
           </a:p>
           <a:p>
             <a:pPr marL="285750" indent="-285750">
@@ -4530,19 +4601,52 @@
               <a:buChar char="•"/>
             </a:pPr>
             <a:r>
+              <a:rPr lang="ja-JP" altLang="en-US" b="1"/>
+              <a:t>広帯域</a:t>
+            </a:r>
+            <a:endParaRPr lang="en-US" altLang="ja-JP" b="1" dirty="0"/>
+          </a:p>
+        </p:txBody>
+      </p:sp>
+      <p:sp>
+        <p:nvSpPr>
+          <p:cNvPr id="2" name="TextBox 1">
+            <a:extLst>
+              <a:ext uri="{FF2B5EF4-FFF2-40B4-BE49-F238E27FC236}">
+                <a16:creationId xmlns:a16="http://schemas.microsoft.com/office/drawing/2014/main" id="{8D987946-2A84-514F-AE0E-F3659D085788}"/>
+              </a:ext>
+            </a:extLst>
+          </p:cNvPr>
+          <p:cNvSpPr txBox="1"/>
+          <p:nvPr/>
+        </p:nvSpPr>
+        <p:spPr>
+          <a:xfrm>
+            <a:off x="2383231" y="5592278"/>
+            <a:ext cx="1853392" cy="369332"/>
+          </a:xfrm>
+          <a:prstGeom prst="rect">
+            <a:avLst/>
+          </a:prstGeom>
+          <a:noFill/>
+        </p:spPr>
+        <p:txBody>
+          <a:bodyPr wrap="none" rtlCol="0">
+            <a:spAutoFit/>
+          </a:bodyPr>
+          <a:lstStyle/>
+          <a:p>
+            <a:r>
               <a:rPr lang="ja-JP" altLang="en-US"/>
-              <a:t>広帯域</a:t>
-            </a:r>
-            <a:endParaRPr lang="en-US" altLang="ja-JP" dirty="0"/>
-          </a:p>
-          <a:p>
-            <a:pPr marL="285750" indent="-285750">
-              <a:buFont typeface="Arial" panose="020B0604020202020204" pitchFamily="34" charset="0"/>
-              <a:buChar char="•"/>
-            </a:pPr>
+              <a:t>↑</a:t>
+            </a:r>
+            <a:r>
+              <a:rPr lang="en-US" altLang="ja-JP" dirty="0"/>
+              <a:t> </a:t>
+            </a:r>
             <a:r>
               <a:rPr lang="ja-JP" altLang="en-US"/>
-              <a:t>ノイズに弱い</a:t>
+              <a:t>イラスト作成</a:t>
             </a:r>
             <a:endParaRPr lang="en-US" dirty="0"/>
           </a:p>
@@ -4606,7 +4710,7 @@
         </p:blipFill>
         <p:spPr>
           <a:xfrm>
-            <a:off x="3878981" y="1922646"/>
+            <a:off x="4109987" y="1970772"/>
             <a:ext cx="3672572" cy="2754429"/>
           </a:xfrm>
           <a:prstGeom prst="rect">
@@ -4614,6 +4718,50 @@
           </a:prstGeom>
         </p:spPr>
       </p:pic>
+      <p:sp>
+        <p:nvSpPr>
+          <p:cNvPr id="3" name="TextBox 2">
+            <a:extLst>
+              <a:ext uri="{FF2B5EF4-FFF2-40B4-BE49-F238E27FC236}">
+                <a16:creationId xmlns:a16="http://schemas.microsoft.com/office/drawing/2014/main" id="{90EBC6E5-867D-3C44-957C-630841F7DC80}"/>
+              </a:ext>
+            </a:extLst>
+          </p:cNvPr>
+          <p:cNvSpPr txBox="1"/>
+          <p:nvPr/>
+        </p:nvSpPr>
+        <p:spPr>
+          <a:xfrm>
+            <a:off x="5193807" y="4937760"/>
+            <a:ext cx="1853392" cy="369332"/>
+          </a:xfrm>
+          <a:prstGeom prst="rect">
+            <a:avLst/>
+          </a:prstGeom>
+          <a:noFill/>
+        </p:spPr>
+        <p:txBody>
+          <a:bodyPr wrap="none" rtlCol="0">
+            <a:spAutoFit/>
+          </a:bodyPr>
+          <a:lstStyle/>
+          <a:p>
+            <a:r>
+              <a:rPr lang="ja-JP" altLang="en-US"/>
+              <a:t>↑</a:t>
+            </a:r>
+            <a:r>
+              <a:rPr lang="en-US" altLang="ja-JP" dirty="0"/>
+              <a:t> </a:t>
+            </a:r>
+            <a:r>
+              <a:rPr lang="ja-JP" altLang="en-US"/>
+              <a:t>イラスト作成</a:t>
+            </a:r>
+            <a:endParaRPr lang="en-US" dirty="0"/>
+          </a:p>
+        </p:txBody>
+      </p:sp>
     </p:spTree>
     <p:extLst>
       <p:ext uri="{BB962C8B-B14F-4D97-AF65-F5344CB8AC3E}">
